--- a/figma_ppt/uiux-Figma2.pptx
+++ b/figma_ppt/uiux-Figma2.pptx
@@ -5,7 +5,7 @@
     <p:sldMasterId id="2147483648" r:id="rId1"/>
   </p:sldMasterIdLst>
   <p:notesMasterIdLst>
-    <p:notesMasterId r:id="rId20"/>
+    <p:notesMasterId r:id="rId21"/>
   </p:notesMasterIdLst>
   <p:sldIdLst>
     <p:sldId id="256" r:id="rId2"/>
@@ -18,14 +18,15 @@
     <p:sldId id="322" r:id="rId9"/>
     <p:sldId id="323" r:id="rId10"/>
     <p:sldId id="324" r:id="rId11"/>
-    <p:sldId id="308" r:id="rId12"/>
-    <p:sldId id="307" r:id="rId13"/>
-    <p:sldId id="316" r:id="rId14"/>
-    <p:sldId id="301" r:id="rId15"/>
-    <p:sldId id="306" r:id="rId16"/>
-    <p:sldId id="317" r:id="rId17"/>
-    <p:sldId id="313" r:id="rId18"/>
-    <p:sldId id="315" r:id="rId19"/>
+    <p:sldId id="325" r:id="rId12"/>
+    <p:sldId id="326" r:id="rId13"/>
+    <p:sldId id="327" r:id="rId14"/>
+    <p:sldId id="328" r:id="rId15"/>
+    <p:sldId id="308" r:id="rId16"/>
+    <p:sldId id="307" r:id="rId17"/>
+    <p:sldId id="316" r:id="rId18"/>
+    <p:sldId id="313" r:id="rId19"/>
+    <p:sldId id="315" r:id="rId20"/>
   </p:sldIdLst>
   <p:sldSz cx="9906000" cy="6858000" type="A4"/>
   <p:notesSz cx="6858000" cy="9144000"/>
@@ -225,7 +226,7 @@
           <a:p>
             <a:fld id="{7665CDAC-D627-4E87-877A-1B781DD4CADC}" type="datetimeFigureOut">
               <a:rPr lang="ko-KR" altLang="en-US" smtClean="0"/>
-              <a:t>2023-07-05</a:t>
+              <a:t>2023-07-12</a:t>
             </a:fld>
             <a:endParaRPr lang="ko-KR" altLang="en-US"/>
           </a:p>
@@ -639,7 +640,7 @@
           <a:p>
             <a:fld id="{C25BCFD5-C4DF-4EBC-B718-C69ED2FBDE6F}" type="datetime1">
               <a:rPr lang="ko-KR" altLang="en-US" smtClean="0"/>
-              <a:t>2023-07-05</a:t>
+              <a:t>2023-07-12</a:t>
             </a:fld>
             <a:endParaRPr lang="ko-KR" altLang="en-US"/>
           </a:p>
@@ -1062,7 +1063,7 @@
           <a:p>
             <a:fld id="{AB448CD7-D367-43D5-B461-ACE552E75063}" type="datetime1">
               <a:rPr lang="ko-KR" altLang="en-US" smtClean="0"/>
-              <a:t>2023-07-05</a:t>
+              <a:t>2023-07-12</a:t>
             </a:fld>
             <a:endParaRPr lang="ko-KR" altLang="en-US"/>
           </a:p>
@@ -1242,7 +1243,7 @@
           <a:p>
             <a:fld id="{B6E49E79-7361-4780-8BEF-7EDE3708298A}" type="datetime1">
               <a:rPr lang="ko-KR" altLang="en-US" smtClean="0"/>
-              <a:t>2023-07-05</a:t>
+              <a:t>2023-07-12</a:t>
             </a:fld>
             <a:endParaRPr lang="ko-KR" altLang="en-US"/>
           </a:p>
@@ -1416,7 +1417,7 @@
           <a:p>
             <a:fld id="{A4D42E3C-B70B-437C-85CF-1286301B9CBA}" type="datetime1">
               <a:rPr lang="ko-KR" altLang="en-US" smtClean="0"/>
-              <a:t>2023-07-05</a:t>
+              <a:t>2023-07-12</a:t>
             </a:fld>
             <a:endParaRPr lang="ko-KR" altLang="en-US"/>
           </a:p>
@@ -1662,7 +1663,7 @@
           <a:p>
             <a:fld id="{B3369A20-5B3D-4D98-A822-26B93D177A40}" type="datetime1">
               <a:rPr lang="ko-KR" altLang="en-US" smtClean="0"/>
-              <a:t>2023-07-05</a:t>
+              <a:t>2023-07-12</a:t>
             </a:fld>
             <a:endParaRPr lang="ko-KR" altLang="en-US"/>
           </a:p>
@@ -1950,7 +1951,7 @@
           <a:p>
             <a:fld id="{685CD4CE-9E43-4F70-A9D8-A2130CA7D92A}" type="datetime1">
               <a:rPr lang="ko-KR" altLang="en-US" smtClean="0"/>
-              <a:t>2023-07-05</a:t>
+              <a:t>2023-07-12</a:t>
             </a:fld>
             <a:endParaRPr lang="ko-KR" altLang="en-US"/>
           </a:p>
@@ -2372,7 +2373,7 @@
           <a:p>
             <a:fld id="{F752BD92-DA3E-4A0B-90C9-7DE5E15B6E96}" type="datetime1">
               <a:rPr lang="ko-KR" altLang="en-US" smtClean="0"/>
-              <a:t>2023-07-05</a:t>
+              <a:t>2023-07-12</a:t>
             </a:fld>
             <a:endParaRPr lang="ko-KR" altLang="en-US"/>
           </a:p>
@@ -2490,7 +2491,7 @@
           <a:p>
             <a:fld id="{8EA2B83A-F366-424E-B742-340ACF856BB5}" type="datetime1">
               <a:rPr lang="ko-KR" altLang="en-US" smtClean="0"/>
-              <a:t>2023-07-05</a:t>
+              <a:t>2023-07-12</a:t>
             </a:fld>
             <a:endParaRPr lang="ko-KR" altLang="en-US"/>
           </a:p>
@@ -2585,7 +2586,7 @@
           <a:p>
             <a:fld id="{9A49D68B-5DBD-48E9-A8D4-FCBC4B3DD9C6}" type="datetime1">
               <a:rPr lang="ko-KR" altLang="en-US" smtClean="0"/>
-              <a:t>2023-07-05</a:t>
+              <a:t>2023-07-12</a:t>
             </a:fld>
             <a:endParaRPr lang="ko-KR" altLang="en-US"/>
           </a:p>
@@ -2862,7 +2863,7 @@
           <a:p>
             <a:fld id="{4CAB534F-7D16-467B-9320-91F98915D181}" type="datetime1">
               <a:rPr lang="ko-KR" altLang="en-US" smtClean="0"/>
-              <a:t>2023-07-05</a:t>
+              <a:t>2023-07-12</a:t>
             </a:fld>
             <a:endParaRPr lang="ko-KR" altLang="en-US"/>
           </a:p>
@@ -3115,7 +3116,7 @@
           <a:p>
             <a:fld id="{A390A91F-2F8D-4486-A69D-D680F95444B0}" type="datetime1">
               <a:rPr lang="ko-KR" altLang="en-US" smtClean="0"/>
-              <a:t>2023-07-05</a:t>
+              <a:t>2023-07-12</a:t>
             </a:fld>
             <a:endParaRPr lang="ko-KR" altLang="en-US"/>
           </a:p>
@@ -3295,7 +3296,7 @@
           <a:p>
             <a:fld id="{2238BBEA-E8DD-414A-BF68-FC2AFA7CFF2D}" type="datetime1">
               <a:rPr lang="ko-KR" altLang="en-US" smtClean="0"/>
-              <a:t>2023-07-05</a:t>
+              <a:t>2023-07-12</a:t>
             </a:fld>
             <a:endParaRPr lang="ko-KR" altLang="en-US"/>
           </a:p>
@@ -4528,7 +4529,7 @@
         <p:spPr>
           <a:xfrm>
             <a:off x="704528" y="1336993"/>
-            <a:ext cx="8496944" cy="1338828"/>
+            <a:ext cx="8496944" cy="507831"/>
           </a:xfrm>
           <a:prstGeom prst="rect">
             <a:avLst/>
@@ -4553,49 +4554,25 @@
               <a:rPr lang="ko-KR" altLang="en-US" b="1" dirty="0" err="1" smtClean="0"/>
               <a:t>프로토타이핑</a:t>
             </a:r>
-            <a:endParaRPr lang="en-US" altLang="ko-KR" b="1" dirty="0" smtClean="0"/>
-          </a:p>
-          <a:p>
-            <a:pPr>
-              <a:lnSpc>
-                <a:spcPct val="150000"/>
-              </a:lnSpc>
-            </a:pPr>
-            <a:r>
-              <a:rPr lang="en-US" altLang="ko-KR" b="1" dirty="0"/>
+            <a:r>
+              <a:rPr lang="ko-KR" altLang="en-US" b="1" dirty="0" smtClean="0"/>
               <a:t> </a:t>
             </a:r>
             <a:r>
               <a:rPr lang="en-US" altLang="ko-KR" b="1" dirty="0" smtClean="0"/>
-              <a:t>     </a:t>
-            </a:r>
-            <a:r>
-              <a:rPr lang="ko-KR" altLang="en-US" b="1" dirty="0"/>
-              <a:t>우측 상단 작업패널 </a:t>
-            </a:r>
-            <a:r>
-              <a:rPr lang="en-US" altLang="ko-KR" b="1" dirty="0"/>
-              <a:t>&gt; prototype </a:t>
-            </a:r>
-            <a:r>
-              <a:rPr lang="ko-KR" altLang="en-US" b="1" dirty="0"/>
-              <a:t>선택</a:t>
-            </a:r>
-            <a:endParaRPr lang="en-US" altLang="ko-KR" b="1" dirty="0"/>
-          </a:p>
-          <a:p>
-            <a:pPr>
-              <a:lnSpc>
-                <a:spcPct val="150000"/>
-              </a:lnSpc>
-            </a:pPr>
+              <a:t>– Animation </a:t>
+            </a:r>
+            <a:r>
+              <a:rPr lang="ko-KR" altLang="en-US" b="1" dirty="0" smtClean="0"/>
+              <a:t>효과 지정</a:t>
+            </a:r>
             <a:endParaRPr lang="en-US" altLang="ko-KR" b="1" dirty="0" smtClean="0"/>
           </a:p>
         </p:txBody>
       </p:sp>
       <p:pic>
         <p:nvPicPr>
-          <p:cNvPr id="5" name="그림 4"/>
+          <p:cNvPr id="3" name="그림 2"/>
           <p:cNvPicPr>
             <a:picLocks noChangeAspect="1"/>
           </p:cNvPicPr>
@@ -4615,97 +4592,18 @@
         </p:blipFill>
         <p:spPr>
           <a:xfrm>
-            <a:off x="2504728" y="2493113"/>
-            <a:ext cx="5054426" cy="2919029"/>
+            <a:off x="2072680" y="2132856"/>
+            <a:ext cx="3830086" cy="3430932"/>
           </a:xfrm>
           <a:prstGeom prst="rect">
             <a:avLst/>
           </a:prstGeom>
         </p:spPr>
       </p:pic>
-      <p:cxnSp>
-        <p:nvCxnSpPr>
-          <p:cNvPr id="9" name="직선 화살표 연결선 8"/>
-          <p:cNvCxnSpPr/>
-          <p:nvPr/>
-        </p:nvCxnSpPr>
-        <p:spPr>
-          <a:xfrm flipV="1">
-            <a:off x="2648744" y="5088135"/>
-            <a:ext cx="648072" cy="540060"/>
-          </a:xfrm>
-          <a:prstGeom prst="straightConnector1">
-            <a:avLst/>
-          </a:prstGeom>
-          <a:ln w="19050">
-            <a:solidFill>
-              <a:srgbClr val="C00000"/>
-            </a:solidFill>
-            <a:headEnd type="none" w="med" len="med"/>
-            <a:tailEnd type="triangle" w="med" len="med"/>
-          </a:ln>
-        </p:spPr>
-        <p:style>
-          <a:lnRef idx="1">
-            <a:schemeClr val="accent1"/>
-          </a:lnRef>
-          <a:fillRef idx="0">
-            <a:schemeClr val="accent1"/>
-          </a:fillRef>
-          <a:effectRef idx="0">
-            <a:schemeClr val="accent1"/>
-          </a:effectRef>
-          <a:fontRef idx="minor">
-            <a:schemeClr val="tx1"/>
-          </a:fontRef>
-        </p:style>
-      </p:cxnSp>
-      <p:sp>
-        <p:nvSpPr>
-          <p:cNvPr id="10" name="TextBox 9"/>
-          <p:cNvSpPr txBox="1"/>
-          <p:nvPr/>
-        </p:nvSpPr>
-        <p:spPr>
-          <a:xfrm>
-            <a:off x="1784648" y="5639328"/>
-            <a:ext cx="4489947" cy="369332"/>
-          </a:xfrm>
-          <a:prstGeom prst="rect">
-            <a:avLst/>
-          </a:prstGeom>
-          <a:noFill/>
-        </p:spPr>
-        <p:txBody>
-          <a:bodyPr wrap="none" rtlCol="0">
-            <a:spAutoFit/>
-          </a:bodyPr>
-          <a:lstStyle/>
-          <a:p>
-            <a:r>
-              <a:rPr lang="en-US" altLang="ko-KR" dirty="0" smtClean="0"/>
-              <a:t>Prototype </a:t>
-            </a:r>
-            <a:r>
-              <a:rPr lang="ko-KR" altLang="en-US" dirty="0" smtClean="0"/>
-              <a:t>키 생성 </a:t>
-            </a:r>
-            <a:r>
-              <a:rPr lang="en-US" altLang="ko-KR" dirty="0" smtClean="0"/>
-              <a:t>-&gt; </a:t>
-            </a:r>
-            <a:r>
-              <a:rPr lang="ko-KR" altLang="en-US" dirty="0" smtClean="0"/>
-              <a:t>색상에 맞게 연결함</a:t>
-            </a:r>
-            <a:endParaRPr lang="ko-KR" altLang="en-US" dirty="0"/>
-          </a:p>
-        </p:txBody>
-      </p:sp>
     </p:spTree>
     <p:extLst>
       <p:ext uri="{BB962C8B-B14F-4D97-AF65-F5344CB8AC3E}">
-        <p14:creationId xmlns:p14="http://schemas.microsoft.com/office/powerpoint/2010/main" val="827644040"/>
+        <p14:creationId xmlns:p14="http://schemas.microsoft.com/office/powerpoint/2010/main" val="513380092"/>
       </p:ext>
     </p:extLst>
   </p:cSld>
@@ -4813,7 +4711,7 @@
         <p:spPr>
           <a:xfrm>
             <a:off x="704528" y="1336993"/>
-            <a:ext cx="8496944" cy="507831"/>
+            <a:ext cx="8496944" cy="1754326"/>
           </a:xfrm>
           <a:prstGeom prst="rect">
             <a:avLst/>
@@ -4840,11 +4738,88 @@
             </a:r>
             <a:endParaRPr lang="en-US" altLang="ko-KR" b="1" dirty="0" smtClean="0"/>
           </a:p>
+          <a:p>
+            <a:pPr>
+              <a:lnSpc>
+                <a:spcPct val="150000"/>
+              </a:lnSpc>
+            </a:pPr>
+            <a:r>
+              <a:rPr lang="en-US" altLang="ko-KR" b="1" dirty="0"/>
+              <a:t> </a:t>
+            </a:r>
+            <a:r>
+              <a:rPr lang="en-US" altLang="ko-KR" b="1" dirty="0" smtClean="0"/>
+              <a:t>      </a:t>
+            </a:r>
+            <a:r>
+              <a:rPr lang="ko-KR" altLang="en-US" b="1" dirty="0" smtClean="0"/>
+              <a:t>① </a:t>
+            </a:r>
+            <a:r>
+              <a:rPr lang="en-US" altLang="ko-KR" b="1" dirty="0" smtClean="0"/>
+              <a:t>Interactions(on tap)</a:t>
+            </a:r>
+          </a:p>
+          <a:p>
+            <a:pPr>
+              <a:lnSpc>
+                <a:spcPct val="150000"/>
+              </a:lnSpc>
+            </a:pPr>
+            <a:r>
+              <a:rPr lang="en-US" altLang="ko-KR" b="1" dirty="0"/>
+              <a:t> </a:t>
+            </a:r>
+            <a:r>
+              <a:rPr lang="en-US" altLang="ko-KR" b="1" dirty="0" smtClean="0"/>
+              <a:t>      </a:t>
+            </a:r>
+            <a:r>
+              <a:rPr lang="ko-KR" altLang="en-US" b="1" dirty="0" smtClean="0"/>
+              <a:t>② </a:t>
+            </a:r>
+            <a:r>
+              <a:rPr lang="en-US" altLang="ko-KR" b="1" dirty="0" smtClean="0"/>
+              <a:t>Animation – push, Ease In Out, 300ms </a:t>
+            </a:r>
+          </a:p>
+          <a:p>
+            <a:pPr>
+              <a:lnSpc>
+                <a:spcPct val="150000"/>
+              </a:lnSpc>
+            </a:pPr>
+            <a:r>
+              <a:rPr lang="en-US" altLang="ko-KR" b="1" dirty="0"/>
+              <a:t> </a:t>
+            </a:r>
+            <a:r>
+              <a:rPr lang="en-US" altLang="ko-KR" b="1" dirty="0" smtClean="0"/>
+              <a:t>      </a:t>
+            </a:r>
+            <a:r>
+              <a:rPr lang="ko-KR" altLang="en-US" b="1" dirty="0" smtClean="0"/>
+              <a:t>③ 재생</a:t>
+            </a:r>
+            <a:r>
+              <a:rPr lang="en-US" altLang="ko-KR" b="1" dirty="0" smtClean="0"/>
+              <a:t>(</a:t>
+            </a:r>
+            <a:r>
+              <a:rPr lang="ko-KR" altLang="en-US" b="1" dirty="0" smtClean="0"/>
+              <a:t>▷</a:t>
+            </a:r>
+            <a:r>
+              <a:rPr lang="en-US" altLang="ko-KR" b="1" dirty="0" smtClean="0"/>
+              <a:t>)</a:t>
+            </a:r>
+          </a:p>
         </p:txBody>
       </p:sp>
       <p:pic>
         <p:nvPicPr>
-          <p:cNvPr id="8" name="그림 7"/>
+          <p:cNvPr id="5" name="그림 4"/>
           <p:cNvPicPr>
             <a:picLocks noChangeAspect="1"/>
           </p:cNvPicPr>
@@ -4864,103 +4839,18 @@
         </p:blipFill>
         <p:spPr>
           <a:xfrm>
-            <a:off x="4808984" y="1988840"/>
-            <a:ext cx="2088232" cy="4220520"/>
+            <a:off x="6244398" y="1829245"/>
+            <a:ext cx="2259365" cy="4408067"/>
           </a:xfrm>
           <a:prstGeom prst="rect">
             <a:avLst/>
           </a:prstGeom>
         </p:spPr>
       </p:pic>
-      <p:sp>
-        <p:nvSpPr>
-          <p:cNvPr id="3" name="직사각형 2"/>
-          <p:cNvSpPr/>
-          <p:nvPr/>
-        </p:nvSpPr>
-        <p:spPr>
-          <a:xfrm>
-            <a:off x="1280592" y="1988840"/>
-            <a:ext cx="2767681" cy="1338828"/>
-          </a:xfrm>
-          <a:prstGeom prst="rect">
-            <a:avLst/>
-          </a:prstGeom>
-        </p:spPr>
-        <p:txBody>
-          <a:bodyPr wrap="none">
-            <a:spAutoFit/>
-          </a:bodyPr>
-          <a:lstStyle/>
-          <a:p>
-            <a:pPr>
-              <a:lnSpc>
-                <a:spcPct val="150000"/>
-              </a:lnSpc>
-            </a:pPr>
-            <a:r>
-              <a:rPr lang="en-US" altLang="ko-KR" b="1" dirty="0"/>
-              <a:t> </a:t>
-            </a:r>
-            <a:r>
-              <a:rPr lang="ko-KR" altLang="en-US" b="1" dirty="0"/>
-              <a:t>① </a:t>
-            </a:r>
-            <a:r>
-              <a:rPr lang="en-US" altLang="ko-KR" b="1" dirty="0" smtClean="0"/>
-              <a:t>Interactions(on </a:t>
-            </a:r>
-            <a:r>
-              <a:rPr lang="en-US" altLang="ko-KR" b="1" dirty="0"/>
-              <a:t>tap</a:t>
-            </a:r>
-            <a:r>
-              <a:rPr lang="en-US" altLang="ko-KR" b="1" dirty="0" smtClean="0"/>
-              <a:t>)</a:t>
-            </a:r>
-            <a:endParaRPr lang="en-US" altLang="ko-KR" b="1" dirty="0"/>
-          </a:p>
-          <a:p>
-            <a:pPr>
-              <a:lnSpc>
-                <a:spcPct val="150000"/>
-              </a:lnSpc>
-            </a:pPr>
-            <a:r>
-              <a:rPr lang="ko-KR" altLang="en-US" b="1" dirty="0"/>
-              <a:t> ② </a:t>
-            </a:r>
-            <a:r>
-              <a:rPr lang="ko-KR" altLang="en-US" b="1" dirty="0" smtClean="0"/>
-              <a:t>재생</a:t>
-            </a:r>
-            <a:r>
-              <a:rPr lang="en-US" altLang="ko-KR" b="1" dirty="0"/>
-              <a:t>(</a:t>
-            </a:r>
-            <a:r>
-              <a:rPr lang="ko-KR" altLang="en-US" b="1" dirty="0"/>
-              <a:t>▷</a:t>
-            </a:r>
-            <a:r>
-              <a:rPr lang="en-US" altLang="ko-KR" b="1" dirty="0"/>
-              <a:t>)</a:t>
-            </a:r>
-          </a:p>
-          <a:p>
-            <a:pPr>
-              <a:lnSpc>
-                <a:spcPct val="150000"/>
-              </a:lnSpc>
-            </a:pPr>
-            <a:endParaRPr lang="en-US" altLang="ko-KR" b="1" dirty="0"/>
-          </a:p>
-        </p:txBody>
-      </p:sp>
     </p:spTree>
     <p:extLst>
       <p:ext uri="{BB962C8B-B14F-4D97-AF65-F5344CB8AC3E}">
-        <p14:creationId xmlns:p14="http://schemas.microsoft.com/office/powerpoint/2010/main" val="2484440887"/>
+        <p14:creationId xmlns:p14="http://schemas.microsoft.com/office/powerpoint/2010/main" val="2644700583"/>
       </p:ext>
     </p:extLst>
   </p:cSld>
@@ -5087,13 +4977,16 @@
             </a:pPr>
             <a:r>
               <a:rPr lang="en-US" altLang="ko-KR" b="1" dirty="0" smtClean="0"/>
-              <a:t>    - </a:t>
+              <a:t>    - Flow </a:t>
             </a:r>
             <a:r>
               <a:rPr lang="ko-KR" altLang="en-US" b="1" dirty="0" smtClean="0"/>
-              <a:t>이미지 슬라이드</a:t>
-            </a:r>
-            <a:endParaRPr lang="en-US" altLang="ko-KR" b="1" dirty="0" smtClean="0"/>
+              <a:t>지점 변경 및 </a:t>
+            </a:r>
+            <a:r>
+              <a:rPr lang="en-US" altLang="ko-KR" b="1" dirty="0" smtClean="0"/>
+              <a:t>on drag</a:t>
+            </a:r>
           </a:p>
         </p:txBody>
       </p:sp>
@@ -5119,196 +5012,25 @@
         </p:blipFill>
         <p:spPr>
           <a:xfrm>
-            <a:off x="632520" y="2040260"/>
-            <a:ext cx="4540016" cy="3960440"/>
+            <a:off x="1568624" y="1995286"/>
+            <a:ext cx="6560395" cy="4081893"/>
           </a:xfrm>
           <a:prstGeom prst="rect">
             <a:avLst/>
           </a:prstGeom>
-        </p:spPr>
-      </p:pic>
-      <p:sp>
-        <p:nvSpPr>
-          <p:cNvPr id="9" name="TextBox 8"/>
-          <p:cNvSpPr txBox="1"/>
-          <p:nvPr/>
-        </p:nvSpPr>
-        <p:spPr>
-          <a:xfrm>
-            <a:off x="5673080" y="2040260"/>
-            <a:ext cx="3816424" cy="2585323"/>
-          </a:xfrm>
-          <a:prstGeom prst="rect">
-            <a:avLst/>
-          </a:prstGeom>
-          <a:noFill/>
-        </p:spPr>
-        <p:txBody>
-          <a:bodyPr wrap="square" rtlCol="0">
-            <a:spAutoFit/>
-          </a:bodyPr>
-          <a:lstStyle/>
-          <a:p>
-            <a:pPr>
-              <a:lnSpc>
-                <a:spcPct val="150000"/>
-              </a:lnSpc>
-            </a:pPr>
-            <a:r>
-              <a:rPr lang="ko-KR" altLang="en-US" dirty="0" smtClean="0"/>
-              <a:t>① 이미지 </a:t>
-            </a:r>
-            <a:r>
-              <a:rPr lang="en-US" altLang="ko-KR" dirty="0" smtClean="0"/>
-              <a:t>3</a:t>
-            </a:r>
-            <a:r>
-              <a:rPr lang="ko-KR" altLang="en-US" dirty="0" smtClean="0"/>
-              <a:t>장을 연결</a:t>
-            </a:r>
-            <a:endParaRPr lang="en-US" altLang="ko-KR" dirty="0" smtClean="0"/>
-          </a:p>
-          <a:p>
-            <a:pPr>
-              <a:lnSpc>
-                <a:spcPct val="150000"/>
-              </a:lnSpc>
-            </a:pPr>
-            <a:r>
-              <a:rPr lang="ko-KR" altLang="en-US" dirty="0" smtClean="0"/>
-              <a:t>② 이미지 선택 </a:t>
-            </a:r>
-            <a:r>
-              <a:rPr lang="en-US" altLang="ko-KR" dirty="0" smtClean="0"/>
-              <a:t>&gt; </a:t>
-            </a:r>
-            <a:r>
-              <a:rPr lang="ko-KR" altLang="en-US" dirty="0" smtClean="0"/>
-              <a:t>단축메뉴 </a:t>
-            </a:r>
-            <a:r>
-              <a:rPr lang="en-US" altLang="ko-KR" dirty="0" smtClean="0"/>
-              <a:t>&gt; add </a:t>
-            </a:r>
-          </a:p>
-          <a:p>
-            <a:pPr>
-              <a:lnSpc>
-                <a:spcPct val="150000"/>
-              </a:lnSpc>
-            </a:pPr>
-            <a:r>
-              <a:rPr lang="en-US" altLang="ko-KR" dirty="0"/>
-              <a:t> </a:t>
-            </a:r>
-            <a:r>
-              <a:rPr lang="en-US" altLang="ko-KR" dirty="0" smtClean="0"/>
-              <a:t>   auto layout &gt; Frame </a:t>
-            </a:r>
-            <a:r>
-              <a:rPr lang="ko-KR" altLang="en-US" dirty="0" smtClean="0"/>
-              <a:t>생성</a:t>
-            </a:r>
-            <a:endParaRPr lang="en-US" altLang="ko-KR" dirty="0" smtClean="0"/>
-          </a:p>
-          <a:p>
-            <a:pPr>
-              <a:lnSpc>
-                <a:spcPct val="150000"/>
-              </a:lnSpc>
-            </a:pPr>
-            <a:r>
-              <a:rPr lang="ko-KR" altLang="en-US" dirty="0" smtClean="0"/>
-              <a:t>③</a:t>
-            </a:r>
-            <a:r>
-              <a:rPr lang="en-US" altLang="ko-KR" dirty="0" smtClean="0"/>
-              <a:t> Frame </a:t>
-            </a:r>
-            <a:r>
-              <a:rPr lang="ko-KR" altLang="en-US" dirty="0" smtClean="0"/>
-              <a:t>선택 </a:t>
-            </a:r>
-            <a:r>
-              <a:rPr lang="en-US" altLang="ko-KR" dirty="0" smtClean="0"/>
-              <a:t>&gt; Frame Selection</a:t>
-            </a:r>
-          </a:p>
-          <a:p>
-            <a:pPr>
-              <a:lnSpc>
-                <a:spcPct val="150000"/>
-              </a:lnSpc>
-            </a:pPr>
-            <a:r>
-              <a:rPr lang="ko-KR" altLang="en-US" dirty="0" smtClean="0"/>
-              <a:t>④ </a:t>
-            </a:r>
-            <a:r>
-              <a:rPr lang="ko-KR" altLang="en-US" dirty="0" err="1" smtClean="0"/>
-              <a:t>프로토</a:t>
-            </a:r>
-            <a:r>
-              <a:rPr lang="ko-KR" altLang="en-US" dirty="0" smtClean="0"/>
-              <a:t> 타입 </a:t>
-            </a:r>
-            <a:r>
-              <a:rPr lang="en-US" altLang="ko-KR" dirty="0" smtClean="0"/>
-              <a:t>&gt; scrolling :   </a:t>
-            </a:r>
-          </a:p>
-          <a:p>
-            <a:pPr>
-              <a:lnSpc>
-                <a:spcPct val="150000"/>
-              </a:lnSpc>
-            </a:pPr>
-            <a:r>
-              <a:rPr lang="en-US" altLang="ko-KR" dirty="0"/>
-              <a:t> </a:t>
-            </a:r>
-            <a:r>
-              <a:rPr lang="en-US" altLang="ko-KR" dirty="0" smtClean="0"/>
-              <a:t>   Horizontal scrolling</a:t>
-            </a:r>
-            <a:endParaRPr lang="ko-KR" altLang="en-US" dirty="0"/>
-          </a:p>
-        </p:txBody>
-      </p:sp>
-      <p:pic>
-        <p:nvPicPr>
-          <p:cNvPr id="10" name="그림 9"/>
-          <p:cNvPicPr>
-            <a:picLocks noChangeAspect="1"/>
-          </p:cNvPicPr>
-          <p:nvPr/>
-        </p:nvPicPr>
-        <p:blipFill>
-          <a:blip r:embed="rId3">
-            <a:extLst>
-              <a:ext uri="{28A0092B-C50C-407E-A947-70E740481C1C}">
-                <a14:useLocalDpi xmlns:a14="http://schemas.microsoft.com/office/drawing/2010/main" val="0"/>
-              </a:ext>
-            </a:extLst>
-          </a:blip>
-          <a:stretch>
-            <a:fillRect/>
-          </a:stretch>
-        </p:blipFill>
-        <p:spPr>
-          <a:xfrm>
-            <a:off x="3129830" y="3933056"/>
-            <a:ext cx="2562518" cy="2211660"/>
-          </a:xfrm>
-          <a:prstGeom prst="rect">
-            <a:avLst/>
-          </a:prstGeom>
+          <a:ln>
+            <a:solidFill>
+              <a:schemeClr val="bg1">
+                <a:lumMod val="85000"/>
+              </a:schemeClr>
+            </a:solidFill>
+          </a:ln>
         </p:spPr>
       </p:pic>
     </p:spTree>
     <p:extLst>
       <p:ext uri="{BB962C8B-B14F-4D97-AF65-F5344CB8AC3E}">
-        <p14:creationId xmlns:p14="http://schemas.microsoft.com/office/powerpoint/2010/main" val="999294588"/>
+        <p14:creationId xmlns:p14="http://schemas.microsoft.com/office/powerpoint/2010/main" val="1051084142"/>
       </p:ext>
     </p:extLst>
   </p:cSld>
@@ -5438,20 +5160,8 @@
               <a:t>    - </a:t>
             </a:r>
             <a:r>
-              <a:rPr lang="ko-KR" altLang="en-US" b="1" dirty="0" err="1" smtClean="0"/>
-              <a:t>프로토타이핑</a:t>
-            </a:r>
-            <a:r>
               <a:rPr lang="ko-KR" altLang="en-US" b="1" dirty="0" smtClean="0"/>
-              <a:t> </a:t>
-            </a:r>
-            <a:r>
-              <a:rPr lang="en-US" altLang="ko-KR" b="1" dirty="0" smtClean="0"/>
-              <a:t>– Animation </a:t>
-            </a:r>
-            <a:r>
-              <a:rPr lang="ko-KR" altLang="en-US" b="1" dirty="0" smtClean="0"/>
-              <a:t>효과 지정</a:t>
+              <a:t>텍스를 클릭하여 페이지 이동</a:t>
             </a:r>
             <a:endParaRPr lang="en-US" altLang="ko-KR" b="1" dirty="0" smtClean="0"/>
           </a:p>
@@ -5479,8 +5189,8 @@
         </p:blipFill>
         <p:spPr>
           <a:xfrm>
-            <a:off x="2072680" y="2132856"/>
-            <a:ext cx="3830086" cy="3430932"/>
+            <a:off x="1208584" y="1988840"/>
+            <a:ext cx="7324718" cy="4110570"/>
           </a:xfrm>
           <a:prstGeom prst="rect">
             <a:avLst/>
@@ -5490,7 +5200,7 @@
     </p:spTree>
     <p:extLst>
       <p:ext uri="{BB962C8B-B14F-4D97-AF65-F5344CB8AC3E}">
-        <p14:creationId xmlns:p14="http://schemas.microsoft.com/office/powerpoint/2010/main" val="767696011"/>
+        <p14:creationId xmlns:p14="http://schemas.microsoft.com/office/powerpoint/2010/main" val="1739462050"/>
       </p:ext>
     </p:extLst>
   </p:cSld>
@@ -5598,7 +5308,7 @@
         <p:spPr>
           <a:xfrm>
             <a:off x="704528" y="1336993"/>
-            <a:ext cx="8496944" cy="1754326"/>
+            <a:ext cx="8496944" cy="1338828"/>
           </a:xfrm>
           <a:prstGeom prst="rect">
             <a:avLst/>
@@ -5637,16 +5347,21 @@
             </a:r>
             <a:r>
               <a:rPr lang="en-US" altLang="ko-KR" b="1" dirty="0" smtClean="0"/>
-              <a:t>      </a:t>
-            </a:r>
-            <a:r>
-              <a:rPr lang="ko-KR" altLang="en-US" b="1" dirty="0" smtClean="0"/>
-              <a:t>① </a:t>
-            </a:r>
-            <a:r>
-              <a:rPr lang="en-US" altLang="ko-KR" b="1" dirty="0" smtClean="0"/>
-              <a:t>Interactions(on tap)</a:t>
-            </a:r>
+              <a:t>     </a:t>
+            </a:r>
+            <a:r>
+              <a:rPr lang="ko-KR" altLang="en-US" b="1" dirty="0"/>
+              <a:t>우측 상단 작업패널 </a:t>
+            </a:r>
+            <a:r>
+              <a:rPr lang="en-US" altLang="ko-KR" b="1" dirty="0"/>
+              <a:t>&gt; prototype </a:t>
+            </a:r>
+            <a:r>
+              <a:rPr lang="ko-KR" altLang="en-US" b="1" dirty="0"/>
+              <a:t>선택</a:t>
+            </a:r>
+            <a:endParaRPr lang="en-US" altLang="ko-KR" b="1" dirty="0"/>
           </a:p>
           <a:p>
             <a:pPr>
@@ -5654,53 +5369,7 @@
                 <a:spcPct val="150000"/>
               </a:lnSpc>
             </a:pPr>
-            <a:r>
-              <a:rPr lang="en-US" altLang="ko-KR" b="1" dirty="0"/>
-              <a:t> </a:t>
-            </a:r>
-            <a:r>
-              <a:rPr lang="en-US" altLang="ko-KR" b="1" dirty="0" smtClean="0"/>
-              <a:t>      </a:t>
-            </a:r>
-            <a:r>
-              <a:rPr lang="ko-KR" altLang="en-US" b="1" dirty="0" smtClean="0"/>
-              <a:t>② </a:t>
-            </a:r>
-            <a:r>
-              <a:rPr lang="en-US" altLang="ko-KR" b="1" dirty="0" smtClean="0"/>
-              <a:t>Animation – push, Ease In Out, 300ms </a:t>
-            </a:r>
-          </a:p>
-          <a:p>
-            <a:pPr>
-              <a:lnSpc>
-                <a:spcPct val="150000"/>
-              </a:lnSpc>
-            </a:pPr>
-            <a:r>
-              <a:rPr lang="en-US" altLang="ko-KR" b="1" dirty="0"/>
-              <a:t> </a:t>
-            </a:r>
-            <a:r>
-              <a:rPr lang="en-US" altLang="ko-KR" b="1" dirty="0" smtClean="0"/>
-              <a:t>      </a:t>
-            </a:r>
-            <a:r>
-              <a:rPr lang="ko-KR" altLang="en-US" b="1" dirty="0" smtClean="0"/>
-              <a:t>③ 재생</a:t>
-            </a:r>
-            <a:r>
-              <a:rPr lang="en-US" altLang="ko-KR" b="1" dirty="0" smtClean="0"/>
-              <a:t>(</a:t>
-            </a:r>
-            <a:r>
-              <a:rPr lang="ko-KR" altLang="en-US" b="1" dirty="0" smtClean="0"/>
-              <a:t>▷</a:t>
-            </a:r>
-            <a:r>
-              <a:rPr lang="en-US" altLang="ko-KR" b="1" dirty="0" smtClean="0"/>
-              <a:t>)</a:t>
-            </a:r>
+            <a:endParaRPr lang="en-US" altLang="ko-KR" b="1" dirty="0" smtClean="0"/>
           </a:p>
         </p:txBody>
       </p:sp>
@@ -5726,18 +5395,97 @@
         </p:blipFill>
         <p:spPr>
           <a:xfrm>
-            <a:off x="6244398" y="1829245"/>
-            <a:ext cx="2259365" cy="4408067"/>
+            <a:off x="2504728" y="2493113"/>
+            <a:ext cx="5054426" cy="2919029"/>
           </a:xfrm>
           <a:prstGeom prst="rect">
             <a:avLst/>
           </a:prstGeom>
         </p:spPr>
       </p:pic>
+      <p:cxnSp>
+        <p:nvCxnSpPr>
+          <p:cNvPr id="9" name="직선 화살표 연결선 8"/>
+          <p:cNvCxnSpPr/>
+          <p:nvPr/>
+        </p:nvCxnSpPr>
+        <p:spPr>
+          <a:xfrm flipV="1">
+            <a:off x="2648744" y="5088135"/>
+            <a:ext cx="648072" cy="540060"/>
+          </a:xfrm>
+          <a:prstGeom prst="straightConnector1">
+            <a:avLst/>
+          </a:prstGeom>
+          <a:ln w="19050">
+            <a:solidFill>
+              <a:srgbClr val="C00000"/>
+            </a:solidFill>
+            <a:headEnd type="none" w="med" len="med"/>
+            <a:tailEnd type="triangle" w="med" len="med"/>
+          </a:ln>
+        </p:spPr>
+        <p:style>
+          <a:lnRef idx="1">
+            <a:schemeClr val="accent1"/>
+          </a:lnRef>
+          <a:fillRef idx="0">
+            <a:schemeClr val="accent1"/>
+          </a:fillRef>
+          <a:effectRef idx="0">
+            <a:schemeClr val="accent1"/>
+          </a:effectRef>
+          <a:fontRef idx="minor">
+            <a:schemeClr val="tx1"/>
+          </a:fontRef>
+        </p:style>
+      </p:cxnSp>
+      <p:sp>
+        <p:nvSpPr>
+          <p:cNvPr id="10" name="TextBox 9"/>
+          <p:cNvSpPr txBox="1"/>
+          <p:nvPr/>
+        </p:nvSpPr>
+        <p:spPr>
+          <a:xfrm>
+            <a:off x="1784648" y="5639328"/>
+            <a:ext cx="4489947" cy="369332"/>
+          </a:xfrm>
+          <a:prstGeom prst="rect">
+            <a:avLst/>
+          </a:prstGeom>
+          <a:noFill/>
+        </p:spPr>
+        <p:txBody>
+          <a:bodyPr wrap="none" rtlCol="0">
+            <a:spAutoFit/>
+          </a:bodyPr>
+          <a:lstStyle/>
+          <a:p>
+            <a:r>
+              <a:rPr lang="en-US" altLang="ko-KR" dirty="0" smtClean="0"/>
+              <a:t>Prototype </a:t>
+            </a:r>
+            <a:r>
+              <a:rPr lang="ko-KR" altLang="en-US" dirty="0" smtClean="0"/>
+              <a:t>키 생성 </a:t>
+            </a:r>
+            <a:r>
+              <a:rPr lang="en-US" altLang="ko-KR" dirty="0" smtClean="0"/>
+              <a:t>-&gt; </a:t>
+            </a:r>
+            <a:r>
+              <a:rPr lang="ko-KR" altLang="en-US" dirty="0" smtClean="0"/>
+              <a:t>색상에 맞게 연결함</a:t>
+            </a:r>
+            <a:endParaRPr lang="ko-KR" altLang="en-US" dirty="0"/>
+          </a:p>
+        </p:txBody>
+      </p:sp>
     </p:spTree>
     <p:extLst>
       <p:ext uri="{BB962C8B-B14F-4D97-AF65-F5344CB8AC3E}">
-        <p14:creationId xmlns:p14="http://schemas.microsoft.com/office/powerpoint/2010/main" val="286910991"/>
+        <p14:creationId xmlns:p14="http://schemas.microsoft.com/office/powerpoint/2010/main" val="827644040"/>
       </p:ext>
     </p:extLst>
   </p:cSld>
@@ -5864,22 +5612,19 @@
             </a:pPr>
             <a:r>
               <a:rPr lang="en-US" altLang="ko-KR" b="1" dirty="0" smtClean="0"/>
-              <a:t>    - Flow </a:t>
-            </a:r>
-            <a:r>
-              <a:rPr lang="ko-KR" altLang="en-US" b="1" dirty="0" smtClean="0"/>
-              <a:t>지점 변경 및 </a:t>
-            </a:r>
-            <a:r>
-              <a:rPr lang="en-US" altLang="ko-KR" b="1" dirty="0" smtClean="0"/>
-              <a:t>on drag</a:t>
-            </a:r>
+              <a:t>    - </a:t>
+            </a:r>
+            <a:r>
+              <a:rPr lang="ko-KR" altLang="en-US" b="1" dirty="0" err="1" smtClean="0"/>
+              <a:t>프로토타이핑</a:t>
+            </a:r>
+            <a:endParaRPr lang="en-US" altLang="ko-KR" b="1" dirty="0" smtClean="0"/>
           </a:p>
         </p:txBody>
       </p:sp>
       <p:pic>
         <p:nvPicPr>
-          <p:cNvPr id="6" name="그림 5"/>
+          <p:cNvPr id="8" name="그림 7"/>
           <p:cNvPicPr>
             <a:picLocks noChangeAspect="1"/>
           </p:cNvPicPr>
@@ -5899,25 +5644,103 @@
         </p:blipFill>
         <p:spPr>
           <a:xfrm>
-            <a:off x="1568624" y="1995286"/>
-            <a:ext cx="6560395" cy="4081893"/>
+            <a:off x="4808984" y="1988840"/>
+            <a:ext cx="2088232" cy="4220520"/>
           </a:xfrm>
           <a:prstGeom prst="rect">
             <a:avLst/>
           </a:prstGeom>
-          <a:ln>
-            <a:solidFill>
-              <a:schemeClr val="bg1">
-                <a:lumMod val="85000"/>
-              </a:schemeClr>
-            </a:solidFill>
-          </a:ln>
         </p:spPr>
       </p:pic>
+      <p:sp>
+        <p:nvSpPr>
+          <p:cNvPr id="3" name="직사각형 2"/>
+          <p:cNvSpPr/>
+          <p:nvPr/>
+        </p:nvSpPr>
+        <p:spPr>
+          <a:xfrm>
+            <a:off x="1280592" y="1988840"/>
+            <a:ext cx="2767681" cy="1338828"/>
+          </a:xfrm>
+          <a:prstGeom prst="rect">
+            <a:avLst/>
+          </a:prstGeom>
+        </p:spPr>
+        <p:txBody>
+          <a:bodyPr wrap="none">
+            <a:spAutoFit/>
+          </a:bodyPr>
+          <a:lstStyle/>
+          <a:p>
+            <a:pPr>
+              <a:lnSpc>
+                <a:spcPct val="150000"/>
+              </a:lnSpc>
+            </a:pPr>
+            <a:r>
+              <a:rPr lang="en-US" altLang="ko-KR" b="1" dirty="0"/>
+              <a:t> </a:t>
+            </a:r>
+            <a:r>
+              <a:rPr lang="ko-KR" altLang="en-US" b="1" dirty="0"/>
+              <a:t>① </a:t>
+            </a:r>
+            <a:r>
+              <a:rPr lang="en-US" altLang="ko-KR" b="1" dirty="0" smtClean="0"/>
+              <a:t>Interactions(on </a:t>
+            </a:r>
+            <a:r>
+              <a:rPr lang="en-US" altLang="ko-KR" b="1" dirty="0"/>
+              <a:t>tap</a:t>
+            </a:r>
+            <a:r>
+              <a:rPr lang="en-US" altLang="ko-KR" b="1" dirty="0" smtClean="0"/>
+              <a:t>)</a:t>
+            </a:r>
+            <a:endParaRPr lang="en-US" altLang="ko-KR" b="1" dirty="0"/>
+          </a:p>
+          <a:p>
+            <a:pPr>
+              <a:lnSpc>
+                <a:spcPct val="150000"/>
+              </a:lnSpc>
+            </a:pPr>
+            <a:r>
+              <a:rPr lang="ko-KR" altLang="en-US" b="1" dirty="0"/>
+              <a:t> ② </a:t>
+            </a:r>
+            <a:r>
+              <a:rPr lang="ko-KR" altLang="en-US" b="1" dirty="0" smtClean="0"/>
+              <a:t>재생</a:t>
+            </a:r>
+            <a:r>
+              <a:rPr lang="en-US" altLang="ko-KR" b="1" dirty="0"/>
+              <a:t>(</a:t>
+            </a:r>
+            <a:r>
+              <a:rPr lang="ko-KR" altLang="en-US" b="1" dirty="0"/>
+              <a:t>▷</a:t>
+            </a:r>
+            <a:r>
+              <a:rPr lang="en-US" altLang="ko-KR" b="1" dirty="0"/>
+              <a:t>)</a:t>
+            </a:r>
+          </a:p>
+          <a:p>
+            <a:pPr>
+              <a:lnSpc>
+                <a:spcPct val="150000"/>
+              </a:lnSpc>
+            </a:pPr>
+            <a:endParaRPr lang="en-US" altLang="ko-KR" b="1" dirty="0"/>
+          </a:p>
+        </p:txBody>
+      </p:sp>
     </p:spTree>
     <p:extLst>
       <p:ext uri="{BB962C8B-B14F-4D97-AF65-F5344CB8AC3E}">
-        <p14:creationId xmlns:p14="http://schemas.microsoft.com/office/powerpoint/2010/main" val="2070850426"/>
+        <p14:creationId xmlns:p14="http://schemas.microsoft.com/office/powerpoint/2010/main" val="2484440887"/>
       </p:ext>
     </p:extLst>
   </p:cSld>
@@ -6016,9 +5839,47 @@
           </a:p>
         </p:txBody>
       </p:sp>
+      <p:sp>
+        <p:nvSpPr>
+          <p:cNvPr id="7" name="직사각형 6"/>
+          <p:cNvSpPr/>
+          <p:nvPr/>
+        </p:nvSpPr>
+        <p:spPr>
+          <a:xfrm>
+            <a:off x="704528" y="1336993"/>
+            <a:ext cx="8496944" cy="507831"/>
+          </a:xfrm>
+          <a:prstGeom prst="rect">
+            <a:avLst/>
+          </a:prstGeom>
+        </p:spPr>
+        <p:txBody>
+          <a:bodyPr wrap="square">
+            <a:spAutoFit/>
+          </a:bodyPr>
+          <a:lstStyle/>
+          <a:p>
+            <a:pPr>
+              <a:lnSpc>
+                <a:spcPct val="150000"/>
+              </a:lnSpc>
+            </a:pPr>
+            <a:r>
+              <a:rPr lang="en-US" altLang="ko-KR" b="1" dirty="0" smtClean="0"/>
+              <a:t>    - </a:t>
+            </a:r>
+            <a:r>
+              <a:rPr lang="ko-KR" altLang="en-US" b="1" dirty="0" smtClean="0"/>
+              <a:t>이미지 슬라이드</a:t>
+            </a:r>
+            <a:endParaRPr lang="en-US" altLang="ko-KR" b="1" dirty="0" smtClean="0"/>
+          </a:p>
+        </p:txBody>
+      </p:sp>
       <p:pic>
         <p:nvPicPr>
-          <p:cNvPr id="3" name="그림 2"/>
+          <p:cNvPr id="6" name="그림 5"/>
           <p:cNvPicPr>
             <a:picLocks noChangeAspect="1"/>
           </p:cNvPicPr>
@@ -6038,25 +5899,196 @@
         </p:blipFill>
         <p:spPr>
           <a:xfrm>
-            <a:off x="1856656" y="1268760"/>
-            <a:ext cx="5608589" cy="5131394"/>
+            <a:off x="632520" y="2040260"/>
+            <a:ext cx="4540016" cy="3960440"/>
           </a:xfrm>
           <a:prstGeom prst="rect">
             <a:avLst/>
           </a:prstGeom>
-          <a:ln>
-            <a:solidFill>
-              <a:schemeClr val="bg1">
-                <a:lumMod val="85000"/>
-              </a:schemeClr>
-            </a:solidFill>
-          </a:ln>
+        </p:spPr>
+      </p:pic>
+      <p:sp>
+        <p:nvSpPr>
+          <p:cNvPr id="9" name="TextBox 8"/>
+          <p:cNvSpPr txBox="1"/>
+          <p:nvPr/>
+        </p:nvSpPr>
+        <p:spPr>
+          <a:xfrm>
+            <a:off x="5673080" y="2040260"/>
+            <a:ext cx="3816424" cy="2585323"/>
+          </a:xfrm>
+          <a:prstGeom prst="rect">
+            <a:avLst/>
+          </a:prstGeom>
+          <a:noFill/>
+        </p:spPr>
+        <p:txBody>
+          <a:bodyPr wrap="square" rtlCol="0">
+            <a:spAutoFit/>
+          </a:bodyPr>
+          <a:lstStyle/>
+          <a:p>
+            <a:pPr>
+              <a:lnSpc>
+                <a:spcPct val="150000"/>
+              </a:lnSpc>
+            </a:pPr>
+            <a:r>
+              <a:rPr lang="ko-KR" altLang="en-US" dirty="0" smtClean="0"/>
+              <a:t>① 이미지 </a:t>
+            </a:r>
+            <a:r>
+              <a:rPr lang="en-US" altLang="ko-KR" dirty="0" smtClean="0"/>
+              <a:t>3</a:t>
+            </a:r>
+            <a:r>
+              <a:rPr lang="ko-KR" altLang="en-US" dirty="0" smtClean="0"/>
+              <a:t>장을 연결</a:t>
+            </a:r>
+            <a:endParaRPr lang="en-US" altLang="ko-KR" dirty="0" smtClean="0"/>
+          </a:p>
+          <a:p>
+            <a:pPr>
+              <a:lnSpc>
+                <a:spcPct val="150000"/>
+              </a:lnSpc>
+            </a:pPr>
+            <a:r>
+              <a:rPr lang="ko-KR" altLang="en-US" dirty="0" smtClean="0"/>
+              <a:t>② 이미지 선택 </a:t>
+            </a:r>
+            <a:r>
+              <a:rPr lang="en-US" altLang="ko-KR" dirty="0" smtClean="0"/>
+              <a:t>&gt; </a:t>
+            </a:r>
+            <a:r>
+              <a:rPr lang="ko-KR" altLang="en-US" dirty="0" smtClean="0"/>
+              <a:t>단축메뉴 </a:t>
+            </a:r>
+            <a:r>
+              <a:rPr lang="en-US" altLang="ko-KR" dirty="0" smtClean="0"/>
+              <a:t>&gt; add </a:t>
+            </a:r>
+          </a:p>
+          <a:p>
+            <a:pPr>
+              <a:lnSpc>
+                <a:spcPct val="150000"/>
+              </a:lnSpc>
+            </a:pPr>
+            <a:r>
+              <a:rPr lang="en-US" altLang="ko-KR" dirty="0"/>
+              <a:t> </a:t>
+            </a:r>
+            <a:r>
+              <a:rPr lang="en-US" altLang="ko-KR" dirty="0" smtClean="0"/>
+              <a:t>   auto layout &gt; Frame </a:t>
+            </a:r>
+            <a:r>
+              <a:rPr lang="ko-KR" altLang="en-US" dirty="0" smtClean="0"/>
+              <a:t>생성</a:t>
+            </a:r>
+            <a:endParaRPr lang="en-US" altLang="ko-KR" dirty="0" smtClean="0"/>
+          </a:p>
+          <a:p>
+            <a:pPr>
+              <a:lnSpc>
+                <a:spcPct val="150000"/>
+              </a:lnSpc>
+            </a:pPr>
+            <a:r>
+              <a:rPr lang="ko-KR" altLang="en-US" dirty="0" smtClean="0"/>
+              <a:t>③</a:t>
+            </a:r>
+            <a:r>
+              <a:rPr lang="en-US" altLang="ko-KR" dirty="0" smtClean="0"/>
+              <a:t> Frame </a:t>
+            </a:r>
+            <a:r>
+              <a:rPr lang="ko-KR" altLang="en-US" dirty="0" smtClean="0"/>
+              <a:t>선택 </a:t>
+            </a:r>
+            <a:r>
+              <a:rPr lang="en-US" altLang="ko-KR" dirty="0" smtClean="0"/>
+              <a:t>&gt; Frame Selection</a:t>
+            </a:r>
+          </a:p>
+          <a:p>
+            <a:pPr>
+              <a:lnSpc>
+                <a:spcPct val="150000"/>
+              </a:lnSpc>
+            </a:pPr>
+            <a:r>
+              <a:rPr lang="ko-KR" altLang="en-US" dirty="0" smtClean="0"/>
+              <a:t>④ </a:t>
+            </a:r>
+            <a:r>
+              <a:rPr lang="ko-KR" altLang="en-US" dirty="0" err="1" smtClean="0"/>
+              <a:t>프로토</a:t>
+            </a:r>
+            <a:r>
+              <a:rPr lang="ko-KR" altLang="en-US" dirty="0" smtClean="0"/>
+              <a:t> 타입 </a:t>
+            </a:r>
+            <a:r>
+              <a:rPr lang="en-US" altLang="ko-KR" dirty="0" smtClean="0"/>
+              <a:t>&gt; scrolling :   </a:t>
+            </a:r>
+          </a:p>
+          <a:p>
+            <a:pPr>
+              <a:lnSpc>
+                <a:spcPct val="150000"/>
+              </a:lnSpc>
+            </a:pPr>
+            <a:r>
+              <a:rPr lang="en-US" altLang="ko-KR" dirty="0"/>
+              <a:t> </a:t>
+            </a:r>
+            <a:r>
+              <a:rPr lang="en-US" altLang="ko-KR" dirty="0" smtClean="0"/>
+              <a:t>   Horizontal scrolling</a:t>
+            </a:r>
+            <a:endParaRPr lang="ko-KR" altLang="en-US" dirty="0"/>
+          </a:p>
+        </p:txBody>
+      </p:sp>
+      <p:pic>
+        <p:nvPicPr>
+          <p:cNvPr id="10" name="그림 9"/>
+          <p:cNvPicPr>
+            <a:picLocks noChangeAspect="1"/>
+          </p:cNvPicPr>
+          <p:nvPr/>
+        </p:nvPicPr>
+        <p:blipFill>
+          <a:blip r:embed="rId3">
+            <a:extLst>
+              <a:ext uri="{28A0092B-C50C-407E-A947-70E740481C1C}">
+                <a14:useLocalDpi xmlns:a14="http://schemas.microsoft.com/office/drawing/2010/main" val="0"/>
+              </a:ext>
+            </a:extLst>
+          </a:blip>
+          <a:stretch>
+            <a:fillRect/>
+          </a:stretch>
+        </p:blipFill>
+        <p:spPr>
+          <a:xfrm>
+            <a:off x="3129830" y="3933056"/>
+            <a:ext cx="2562518" cy="2211660"/>
+          </a:xfrm>
+          <a:prstGeom prst="rect">
+            <a:avLst/>
+          </a:prstGeom>
         </p:spPr>
       </p:pic>
     </p:spTree>
     <p:extLst>
       <p:ext uri="{BB962C8B-B14F-4D97-AF65-F5344CB8AC3E}">
-        <p14:creationId xmlns:p14="http://schemas.microsoft.com/office/powerpoint/2010/main" val="2473955559"/>
+        <p14:creationId xmlns:p14="http://schemas.microsoft.com/office/powerpoint/2010/main" val="999294588"/>
       </p:ext>
     </p:extLst>
   </p:cSld>
@@ -6150,6 +6182,145 @@
             <a:fld id="{1BDE3FE7-3AEA-4B05-AC5A-802D1816ACF0}" type="slidenum">
               <a:rPr lang="ko-KR" altLang="en-US" smtClean="0"/>
               <a:t>18</a:t>
+            </a:fld>
+            <a:endParaRPr lang="ko-KR" altLang="en-US"/>
+          </a:p>
+        </p:txBody>
+      </p:sp>
+      <p:pic>
+        <p:nvPicPr>
+          <p:cNvPr id="3" name="그림 2"/>
+          <p:cNvPicPr>
+            <a:picLocks noChangeAspect="1"/>
+          </p:cNvPicPr>
+          <p:nvPr/>
+        </p:nvPicPr>
+        <p:blipFill>
+          <a:blip r:embed="rId2">
+            <a:extLst>
+              <a:ext uri="{28A0092B-C50C-407E-A947-70E740481C1C}">
+                <a14:useLocalDpi xmlns:a14="http://schemas.microsoft.com/office/drawing/2010/main" val="0"/>
+              </a:ext>
+            </a:extLst>
+          </a:blip>
+          <a:stretch>
+            <a:fillRect/>
+          </a:stretch>
+        </p:blipFill>
+        <p:spPr>
+          <a:xfrm>
+            <a:off x="1856656" y="1268760"/>
+            <a:ext cx="5608589" cy="5131394"/>
+          </a:xfrm>
+          <a:prstGeom prst="rect">
+            <a:avLst/>
+          </a:prstGeom>
+          <a:ln>
+            <a:solidFill>
+              <a:schemeClr val="bg1">
+                <a:lumMod val="85000"/>
+              </a:schemeClr>
+            </a:solidFill>
+          </a:ln>
+        </p:spPr>
+      </p:pic>
+    </p:spTree>
+    <p:extLst>
+      <p:ext uri="{BB962C8B-B14F-4D97-AF65-F5344CB8AC3E}">
+        <p14:creationId xmlns:p14="http://schemas.microsoft.com/office/powerpoint/2010/main" val="2473955559"/>
+      </p:ext>
+    </p:extLst>
+  </p:cSld>
+  <p:clrMapOvr>
+    <a:masterClrMapping/>
+  </p:clrMapOvr>
+  <p:timing>
+    <p:tnLst>
+      <p:par>
+        <p:cTn id="1" dur="indefinite" restart="never" nodeType="tmRoot"/>
+      </p:par>
+    </p:tnLst>
+  </p:timing>
+</p:sld>
+</file>
+
+<file path=ppt/slides/slide19.xml><?xml version="1.0" encoding="utf-8"?>
+<p:sld xmlns:a="http://schemas.openxmlformats.org/drawingml/2006/main" xmlns:r="http://schemas.openxmlformats.org/officeDocument/2006/relationships" xmlns:p="http://schemas.openxmlformats.org/presentationml/2006/main">
+  <p:cSld>
+    <p:spTree>
+      <p:nvGrpSpPr>
+        <p:cNvPr id="1" name=""/>
+        <p:cNvGrpSpPr/>
+        <p:nvPr/>
+      </p:nvGrpSpPr>
+      <p:grpSpPr>
+        <a:xfrm>
+          <a:off x="0" y="0"/>
+          <a:ext cx="0" cy="0"/>
+          <a:chOff x="0" y="0"/>
+          <a:chExt cx="0" cy="0"/>
+        </a:xfrm>
+      </p:grpSpPr>
+      <p:sp>
+        <p:nvSpPr>
+          <p:cNvPr id="2" name="제목 1"/>
+          <p:cNvSpPr>
+            <a:spLocks noGrp="1"/>
+          </p:cNvSpPr>
+          <p:nvPr>
+            <p:ph type="title"/>
+          </p:nvPr>
+        </p:nvSpPr>
+        <p:spPr>
+          <a:xfrm>
+            <a:off x="416497" y="197768"/>
+            <a:ext cx="6412780" cy="854968"/>
+          </a:xfrm>
+        </p:spPr>
+        <p:txBody>
+          <a:bodyPr>
+            <a:noAutofit/>
+          </a:bodyPr>
+          <a:lstStyle/>
+          <a:p>
+            <a:r>
+              <a:rPr lang="en-US" altLang="ko-KR" sz="2800" dirty="0" smtClean="0"/>
+              <a:t>   </a:t>
+            </a:r>
+            <a:r>
+              <a:rPr lang="ko-KR" altLang="en-US" sz="2800" dirty="0" err="1" smtClean="0"/>
+              <a:t>프로토</a:t>
+            </a:r>
+            <a:r>
+              <a:rPr lang="ko-KR" altLang="en-US" sz="2800" dirty="0" smtClean="0"/>
+              <a:t> 타이핑</a:t>
+            </a:r>
+            <a:r>
+              <a:rPr lang="en-US" altLang="ko-KR" sz="2800" dirty="0" smtClean="0"/>
+              <a:t>(prototyping)</a:t>
+            </a:r>
+            <a:endParaRPr lang="ko-KR" altLang="en-US" sz="2800" dirty="0"/>
+          </a:p>
+        </p:txBody>
+      </p:sp>
+      <p:sp>
+        <p:nvSpPr>
+          <p:cNvPr id="4" name="슬라이드 번호 개체 틀 3"/>
+          <p:cNvSpPr>
+            <a:spLocks noGrp="1"/>
+          </p:cNvSpPr>
+          <p:nvPr>
+            <p:ph type="sldNum" sz="quarter" idx="12"/>
+          </p:nvPr>
+        </p:nvSpPr>
+        <p:spPr/>
+        <p:txBody>
+          <a:bodyPr/>
+          <a:lstStyle/>
+          <a:p>
+            <a:fld id="{1BDE3FE7-3AEA-4B05-AC5A-802D1816ACF0}" type="slidenum">
+              <a:rPr lang="ko-KR" altLang="en-US" smtClean="0"/>
+              <a:t>19</a:t>
             </a:fld>
             <a:endParaRPr lang="ko-KR" altLang="en-US"/>
           </a:p>
@@ -6825,15 +6996,7 @@
             </a:r>
             <a:r>
               <a:rPr lang="ko-KR" altLang="en-US" b="1" dirty="0" smtClean="0"/>
-              <a:t> </a:t>
-            </a:r>
-            <a:r>
-              <a:rPr lang="ko-KR" altLang="en-US" b="1" dirty="0" smtClean="0"/>
-              <a:t>밖으로 </a:t>
-            </a:r>
-            <a:r>
-              <a:rPr lang="ko-KR" altLang="en-US" b="1" dirty="0" smtClean="0"/>
-              <a:t>끌어다 놓음</a:t>
+              <a:t> 밖으로 끌어다 놓음</a:t>
             </a:r>
             <a:endParaRPr lang="en-US" altLang="ko-KR" b="1" dirty="0" smtClean="0"/>
           </a:p>
@@ -6849,11 +7012,7 @@
             </a:r>
             <a:r>
               <a:rPr lang="en-US" altLang="ko-KR" b="1" dirty="0" smtClean="0"/>
-              <a:t>      </a:t>
-            </a:r>
-            <a:r>
-              <a:rPr lang="en-US" altLang="ko-KR" b="1" dirty="0" smtClean="0"/>
-              <a:t>3. Assets </a:t>
+              <a:t>      3. Assets </a:t>
             </a:r>
             <a:r>
               <a:rPr lang="ko-KR" altLang="en-US" b="1" dirty="0" smtClean="0"/>
@@ -8149,11 +8308,7 @@
             </a:r>
             <a:r>
               <a:rPr lang="en-US" altLang="ko-KR" dirty="0" err="1" smtClean="0"/>
-              <a:t>f</a:t>
-            </a:r>
-            <a:r>
-              <a:rPr lang="en-US" altLang="ko-KR" dirty="0" err="1" smtClean="0"/>
-              <a:t>ontawesome</a:t>
+              <a:t>fontawesome</a:t>
             </a:r>
             <a:r>
               <a:rPr lang="en-US" altLang="ko-KR" dirty="0" smtClean="0"/>
@@ -8165,11 +8320,7 @@
             </a:r>
             <a:r>
               <a:rPr lang="en-US" altLang="ko-KR" dirty="0" smtClean="0"/>
-              <a:t> </a:t>
-            </a:r>
-            <a:r>
-              <a:rPr lang="en-US" altLang="ko-KR" dirty="0" smtClean="0"/>
-              <a:t>free</a:t>
+              <a:t> free</a:t>
             </a:r>
             <a:r>
               <a:rPr lang="ko-KR" altLang="en-US" dirty="0" smtClean="0"/>
@@ -8311,33 +8462,8 @@
             </a:pPr>
             <a:r>
               <a:rPr lang="en-US" altLang="ko-KR" sz="2000" dirty="0" smtClean="0"/>
-              <a:t>Main menu</a:t>
-            </a:r>
-            <a:r>
-              <a:rPr lang="en-US" altLang="ko-KR" sz="2000" dirty="0" smtClean="0"/>
-              <a:t> </a:t>
-            </a:r>
-            <a:r>
-              <a:rPr lang="en-US" altLang="ko-KR" sz="2000" dirty="0" smtClean="0"/>
-              <a:t>&gt; </a:t>
-            </a:r>
-            <a:r>
-              <a:rPr lang="en-US" altLang="ko-KR" sz="2000" dirty="0" smtClean="0"/>
-              <a:t>Plugins</a:t>
-            </a:r>
-            <a:r>
-              <a:rPr lang="en-US" altLang="ko-KR" sz="2000" dirty="0" smtClean="0"/>
-              <a:t> </a:t>
-            </a:r>
-            <a:r>
-              <a:rPr lang="en-US" altLang="ko-KR" sz="2000" dirty="0" smtClean="0"/>
-              <a:t>&gt; </a:t>
-            </a:r>
-            <a:r>
-              <a:rPr lang="en-US" altLang="ko-KR" sz="2000" dirty="0" smtClean="0"/>
-              <a:t>Lucid icons</a:t>
-            </a:r>
-            <a:endParaRPr lang="en-US" altLang="ko-KR" sz="2000" dirty="0" smtClean="0"/>
+              <a:t>Main menu &gt; Plugins &gt; Lucid icons</a:t>
+            </a:r>
           </a:p>
           <a:p>
             <a:pPr>

--- a/figma_ppt/uiux-Figma2.pptx
+++ b/figma_ppt/uiux-Figma2.pptx
@@ -5,7 +5,7 @@
     <p:sldMasterId id="2147483648" r:id="rId1"/>
   </p:sldMasterIdLst>
   <p:notesMasterIdLst>
-    <p:notesMasterId r:id="rId21"/>
+    <p:notesMasterId r:id="rId23"/>
   </p:notesMasterIdLst>
   <p:sldIdLst>
     <p:sldId id="256" r:id="rId2"/>
@@ -27,6 +27,8 @@
     <p:sldId id="316" r:id="rId18"/>
     <p:sldId id="313" r:id="rId19"/>
     <p:sldId id="315" r:id="rId20"/>
+    <p:sldId id="329" r:id="rId21"/>
+    <p:sldId id="330" r:id="rId22"/>
   </p:sldIdLst>
   <p:sldSz cx="9906000" cy="6858000" type="A4"/>
   <p:notesSz cx="6858000" cy="9144000"/>
@@ -226,7 +228,7 @@
           <a:p>
             <a:fld id="{7665CDAC-D627-4E87-877A-1B781DD4CADC}" type="datetimeFigureOut">
               <a:rPr lang="ko-KR" altLang="en-US" smtClean="0"/>
-              <a:t>2023-07-12</a:t>
+              <a:t>2023-07-19</a:t>
             </a:fld>
             <a:endParaRPr lang="ko-KR" altLang="en-US"/>
           </a:p>
@@ -640,7 +642,7 @@
           <a:p>
             <a:fld id="{C25BCFD5-C4DF-4EBC-B718-C69ED2FBDE6F}" type="datetime1">
               <a:rPr lang="ko-KR" altLang="en-US" smtClean="0"/>
-              <a:t>2023-07-12</a:t>
+              <a:t>2023-07-19</a:t>
             </a:fld>
             <a:endParaRPr lang="ko-KR" altLang="en-US"/>
           </a:p>
@@ -1063,7 +1065,7 @@
           <a:p>
             <a:fld id="{AB448CD7-D367-43D5-B461-ACE552E75063}" type="datetime1">
               <a:rPr lang="ko-KR" altLang="en-US" smtClean="0"/>
-              <a:t>2023-07-12</a:t>
+              <a:t>2023-07-19</a:t>
             </a:fld>
             <a:endParaRPr lang="ko-KR" altLang="en-US"/>
           </a:p>
@@ -1243,7 +1245,7 @@
           <a:p>
             <a:fld id="{B6E49E79-7361-4780-8BEF-7EDE3708298A}" type="datetime1">
               <a:rPr lang="ko-KR" altLang="en-US" smtClean="0"/>
-              <a:t>2023-07-12</a:t>
+              <a:t>2023-07-19</a:t>
             </a:fld>
             <a:endParaRPr lang="ko-KR" altLang="en-US"/>
           </a:p>
@@ -1417,7 +1419,7 @@
           <a:p>
             <a:fld id="{A4D42E3C-B70B-437C-85CF-1286301B9CBA}" type="datetime1">
               <a:rPr lang="ko-KR" altLang="en-US" smtClean="0"/>
-              <a:t>2023-07-12</a:t>
+              <a:t>2023-07-19</a:t>
             </a:fld>
             <a:endParaRPr lang="ko-KR" altLang="en-US"/>
           </a:p>
@@ -1663,7 +1665,7 @@
           <a:p>
             <a:fld id="{B3369A20-5B3D-4D98-A822-26B93D177A40}" type="datetime1">
               <a:rPr lang="ko-KR" altLang="en-US" smtClean="0"/>
-              <a:t>2023-07-12</a:t>
+              <a:t>2023-07-19</a:t>
             </a:fld>
             <a:endParaRPr lang="ko-KR" altLang="en-US"/>
           </a:p>
@@ -1951,7 +1953,7 @@
           <a:p>
             <a:fld id="{685CD4CE-9E43-4F70-A9D8-A2130CA7D92A}" type="datetime1">
               <a:rPr lang="ko-KR" altLang="en-US" smtClean="0"/>
-              <a:t>2023-07-12</a:t>
+              <a:t>2023-07-19</a:t>
             </a:fld>
             <a:endParaRPr lang="ko-KR" altLang="en-US"/>
           </a:p>
@@ -2373,7 +2375,7 @@
           <a:p>
             <a:fld id="{F752BD92-DA3E-4A0B-90C9-7DE5E15B6E96}" type="datetime1">
               <a:rPr lang="ko-KR" altLang="en-US" smtClean="0"/>
-              <a:t>2023-07-12</a:t>
+              <a:t>2023-07-19</a:t>
             </a:fld>
             <a:endParaRPr lang="ko-KR" altLang="en-US"/>
           </a:p>
@@ -2491,7 +2493,7 @@
           <a:p>
             <a:fld id="{8EA2B83A-F366-424E-B742-340ACF856BB5}" type="datetime1">
               <a:rPr lang="ko-KR" altLang="en-US" smtClean="0"/>
-              <a:t>2023-07-12</a:t>
+              <a:t>2023-07-19</a:t>
             </a:fld>
             <a:endParaRPr lang="ko-KR" altLang="en-US"/>
           </a:p>
@@ -2586,7 +2588,7 @@
           <a:p>
             <a:fld id="{9A49D68B-5DBD-48E9-A8D4-FCBC4B3DD9C6}" type="datetime1">
               <a:rPr lang="ko-KR" altLang="en-US" smtClean="0"/>
-              <a:t>2023-07-12</a:t>
+              <a:t>2023-07-19</a:t>
             </a:fld>
             <a:endParaRPr lang="ko-KR" altLang="en-US"/>
           </a:p>
@@ -2863,7 +2865,7 @@
           <a:p>
             <a:fld id="{4CAB534F-7D16-467B-9320-91F98915D181}" type="datetime1">
               <a:rPr lang="ko-KR" altLang="en-US" smtClean="0"/>
-              <a:t>2023-07-12</a:t>
+              <a:t>2023-07-19</a:t>
             </a:fld>
             <a:endParaRPr lang="ko-KR" altLang="en-US"/>
           </a:p>
@@ -3116,7 +3118,7 @@
           <a:p>
             <a:fld id="{A390A91F-2F8D-4486-A69D-D680F95444B0}" type="datetime1">
               <a:rPr lang="ko-KR" altLang="en-US" smtClean="0"/>
-              <a:t>2023-07-12</a:t>
+              <a:t>2023-07-19</a:t>
             </a:fld>
             <a:endParaRPr lang="ko-KR" altLang="en-US"/>
           </a:p>
@@ -3296,7 +3298,7 @@
           <a:p>
             <a:fld id="{2238BBEA-E8DD-414A-BF68-FC2AFA7CFF2D}" type="datetime1">
               <a:rPr lang="ko-KR" altLang="en-US" smtClean="0"/>
-              <a:t>2023-07-12</a:t>
+              <a:t>2023-07-19</a:t>
             </a:fld>
             <a:endParaRPr lang="ko-KR" altLang="en-US"/>
           </a:p>
@@ -6590,6 +6592,276 @@
     <p:extLst>
       <p:ext uri="{BB962C8B-B14F-4D97-AF65-F5344CB8AC3E}">
         <p14:creationId xmlns:p14="http://schemas.microsoft.com/office/powerpoint/2010/main" val="3878285939"/>
+      </p:ext>
+    </p:extLst>
+  </p:cSld>
+  <p:clrMapOvr>
+    <a:masterClrMapping/>
+  </p:clrMapOvr>
+  <p:timing>
+    <p:tnLst>
+      <p:par>
+        <p:cTn id="1" dur="indefinite" restart="never" nodeType="tmRoot"/>
+      </p:par>
+    </p:tnLst>
+  </p:timing>
+</p:sld>
+</file>
+
+<file path=ppt/slides/slide20.xml><?xml version="1.0" encoding="utf-8"?>
+<p:sld xmlns:a="http://schemas.openxmlformats.org/drawingml/2006/main" xmlns:r="http://schemas.openxmlformats.org/officeDocument/2006/relationships" xmlns:p="http://schemas.openxmlformats.org/presentationml/2006/main">
+  <p:cSld>
+    <p:spTree>
+      <p:nvGrpSpPr>
+        <p:cNvPr id="1" name=""/>
+        <p:cNvGrpSpPr/>
+        <p:nvPr/>
+      </p:nvGrpSpPr>
+      <p:grpSpPr>
+        <a:xfrm>
+          <a:off x="0" y="0"/>
+          <a:ext cx="0" cy="0"/>
+          <a:chOff x="0" y="0"/>
+          <a:chExt cx="0" cy="0"/>
+        </a:xfrm>
+      </p:grpSpPr>
+      <p:sp>
+        <p:nvSpPr>
+          <p:cNvPr id="2" name="제목 1"/>
+          <p:cNvSpPr>
+            <a:spLocks noGrp="1"/>
+          </p:cNvSpPr>
+          <p:nvPr>
+            <p:ph type="title"/>
+          </p:nvPr>
+        </p:nvSpPr>
+        <p:spPr>
+          <a:xfrm>
+            <a:off x="416497" y="197768"/>
+            <a:ext cx="6412780" cy="854968"/>
+          </a:xfrm>
+        </p:spPr>
+        <p:txBody>
+          <a:bodyPr>
+            <a:noAutofit/>
+          </a:bodyPr>
+          <a:lstStyle/>
+          <a:p>
+            <a:r>
+              <a:rPr lang="en-US" altLang="ko-KR" sz="2800" dirty="0" smtClean="0"/>
+              <a:t>   </a:t>
+            </a:r>
+            <a:r>
+              <a:rPr lang="ko-KR" altLang="en-US" sz="2800" dirty="0" smtClean="0"/>
+              <a:t>페르소나</a:t>
+            </a:r>
+            <a:r>
+              <a:rPr lang="en-US" altLang="ko-KR" sz="2800" dirty="0" smtClean="0"/>
+              <a:t>(Persona)</a:t>
+            </a:r>
+            <a:endParaRPr lang="ko-KR" altLang="en-US" sz="2800" dirty="0"/>
+          </a:p>
+        </p:txBody>
+      </p:sp>
+      <p:sp>
+        <p:nvSpPr>
+          <p:cNvPr id="4" name="슬라이드 번호 개체 틀 3"/>
+          <p:cNvSpPr>
+            <a:spLocks noGrp="1"/>
+          </p:cNvSpPr>
+          <p:nvPr>
+            <p:ph type="sldNum" sz="quarter" idx="12"/>
+          </p:nvPr>
+        </p:nvSpPr>
+        <p:spPr/>
+        <p:txBody>
+          <a:bodyPr/>
+          <a:lstStyle/>
+          <a:p>
+            <a:fld id="{1BDE3FE7-3AEA-4B05-AC5A-802D1816ACF0}" type="slidenum">
+              <a:rPr lang="ko-KR" altLang="en-US" smtClean="0"/>
+              <a:t>20</a:t>
+            </a:fld>
+            <a:endParaRPr lang="ko-KR" altLang="en-US"/>
+          </a:p>
+        </p:txBody>
+      </p:sp>
+      <p:pic>
+        <p:nvPicPr>
+          <p:cNvPr id="3" name="그림 2"/>
+          <p:cNvPicPr>
+            <a:picLocks noChangeAspect="1"/>
+          </p:cNvPicPr>
+          <p:nvPr/>
+        </p:nvPicPr>
+        <p:blipFill>
+          <a:blip r:embed="rId2">
+            <a:extLst>
+              <a:ext uri="{28A0092B-C50C-407E-A947-70E740481C1C}">
+                <a14:useLocalDpi xmlns:a14="http://schemas.microsoft.com/office/drawing/2010/main" val="0"/>
+              </a:ext>
+            </a:extLst>
+          </a:blip>
+          <a:stretch>
+            <a:fillRect/>
+          </a:stretch>
+        </p:blipFill>
+        <p:spPr>
+          <a:xfrm>
+            <a:off x="1064568" y="1268760"/>
+            <a:ext cx="7222629" cy="5256584"/>
+          </a:xfrm>
+          <a:prstGeom prst="rect">
+            <a:avLst/>
+          </a:prstGeom>
+          <a:ln>
+            <a:solidFill>
+              <a:schemeClr val="bg1">
+                <a:lumMod val="85000"/>
+              </a:schemeClr>
+            </a:solidFill>
+          </a:ln>
+        </p:spPr>
+      </p:pic>
+    </p:spTree>
+    <p:extLst>
+      <p:ext uri="{BB962C8B-B14F-4D97-AF65-F5344CB8AC3E}">
+        <p14:creationId xmlns:p14="http://schemas.microsoft.com/office/powerpoint/2010/main" val="1069476378"/>
+      </p:ext>
+    </p:extLst>
+  </p:cSld>
+  <p:clrMapOvr>
+    <a:masterClrMapping/>
+  </p:clrMapOvr>
+  <p:timing>
+    <p:tnLst>
+      <p:par>
+        <p:cTn id="1" dur="indefinite" restart="never" nodeType="tmRoot"/>
+      </p:par>
+    </p:tnLst>
+  </p:timing>
+</p:sld>
+</file>
+
+<file path=ppt/slides/slide21.xml><?xml version="1.0" encoding="utf-8"?>
+<p:sld xmlns:a="http://schemas.openxmlformats.org/drawingml/2006/main" xmlns:r="http://schemas.openxmlformats.org/officeDocument/2006/relationships" xmlns:p="http://schemas.openxmlformats.org/presentationml/2006/main">
+  <p:cSld>
+    <p:spTree>
+      <p:nvGrpSpPr>
+        <p:cNvPr id="1" name=""/>
+        <p:cNvGrpSpPr/>
+        <p:nvPr/>
+      </p:nvGrpSpPr>
+      <p:grpSpPr>
+        <a:xfrm>
+          <a:off x="0" y="0"/>
+          <a:ext cx="0" cy="0"/>
+          <a:chOff x="0" y="0"/>
+          <a:chExt cx="0" cy="0"/>
+        </a:xfrm>
+      </p:grpSpPr>
+      <p:sp>
+        <p:nvSpPr>
+          <p:cNvPr id="2" name="제목 1"/>
+          <p:cNvSpPr>
+            <a:spLocks noGrp="1"/>
+          </p:cNvSpPr>
+          <p:nvPr>
+            <p:ph type="title"/>
+          </p:nvPr>
+        </p:nvSpPr>
+        <p:spPr>
+          <a:xfrm>
+            <a:off x="416497" y="197768"/>
+            <a:ext cx="6412780" cy="854968"/>
+          </a:xfrm>
+        </p:spPr>
+        <p:txBody>
+          <a:bodyPr>
+            <a:noAutofit/>
+          </a:bodyPr>
+          <a:lstStyle/>
+          <a:p>
+            <a:r>
+              <a:rPr lang="en-US" altLang="ko-KR" sz="2800" dirty="0" smtClean="0"/>
+              <a:t>   </a:t>
+            </a:r>
+            <a:r>
+              <a:rPr lang="ko-KR" altLang="en-US" sz="2800" dirty="0" smtClean="0"/>
+              <a:t>페르소나</a:t>
+            </a:r>
+            <a:r>
+              <a:rPr lang="en-US" altLang="ko-KR" sz="2800" dirty="0" smtClean="0"/>
+              <a:t>(Persona)</a:t>
+            </a:r>
+            <a:endParaRPr lang="ko-KR" altLang="en-US" sz="2800" dirty="0"/>
+          </a:p>
+        </p:txBody>
+      </p:sp>
+      <p:sp>
+        <p:nvSpPr>
+          <p:cNvPr id="4" name="슬라이드 번호 개체 틀 3"/>
+          <p:cNvSpPr>
+            <a:spLocks noGrp="1"/>
+          </p:cNvSpPr>
+          <p:nvPr>
+            <p:ph type="sldNum" sz="quarter" idx="12"/>
+          </p:nvPr>
+        </p:nvSpPr>
+        <p:spPr/>
+        <p:txBody>
+          <a:bodyPr/>
+          <a:lstStyle/>
+          <a:p>
+            <a:fld id="{1BDE3FE7-3AEA-4B05-AC5A-802D1816ACF0}" type="slidenum">
+              <a:rPr lang="ko-KR" altLang="en-US" smtClean="0"/>
+              <a:t>21</a:t>
+            </a:fld>
+            <a:endParaRPr lang="ko-KR" altLang="en-US"/>
+          </a:p>
+        </p:txBody>
+      </p:sp>
+      <p:pic>
+        <p:nvPicPr>
+          <p:cNvPr id="5" name="그림 4"/>
+          <p:cNvPicPr>
+            <a:picLocks noChangeAspect="1"/>
+          </p:cNvPicPr>
+          <p:nvPr/>
+        </p:nvPicPr>
+        <p:blipFill>
+          <a:blip r:embed="rId2">
+            <a:extLst>
+              <a:ext uri="{28A0092B-C50C-407E-A947-70E740481C1C}">
+                <a14:useLocalDpi xmlns:a14="http://schemas.microsoft.com/office/drawing/2010/main" val="0"/>
+              </a:ext>
+            </a:extLst>
+          </a:blip>
+          <a:stretch>
+            <a:fillRect/>
+          </a:stretch>
+        </p:blipFill>
+        <p:spPr>
+          <a:xfrm>
+            <a:off x="1208584" y="1193060"/>
+            <a:ext cx="7534674" cy="5256585"/>
+          </a:xfrm>
+          <a:prstGeom prst="rect">
+            <a:avLst/>
+          </a:prstGeom>
+          <a:ln>
+            <a:solidFill>
+              <a:schemeClr val="bg1">
+                <a:lumMod val="85000"/>
+              </a:schemeClr>
+            </a:solidFill>
+          </a:ln>
+        </p:spPr>
+      </p:pic>
+    </p:spTree>
+    <p:extLst>
+      <p:ext uri="{BB962C8B-B14F-4D97-AF65-F5344CB8AC3E}">
+        <p14:creationId xmlns:p14="http://schemas.microsoft.com/office/powerpoint/2010/main" val="3034632569"/>
       </p:ext>
     </p:extLst>
   </p:cSld>

--- a/figma_ppt/uiux-Figma2.pptx
+++ b/figma_ppt/uiux-Figma2.pptx
@@ -228,7 +228,7 @@
           <a:p>
             <a:fld id="{7665CDAC-D627-4E87-877A-1B781DD4CADC}" type="datetimeFigureOut">
               <a:rPr lang="ko-KR" altLang="en-US" smtClean="0"/>
-              <a:t>2023-07-19</a:t>
+              <a:t>2023-07-20</a:t>
             </a:fld>
             <a:endParaRPr lang="ko-KR" altLang="en-US"/>
           </a:p>
@@ -642,7 +642,7 @@
           <a:p>
             <a:fld id="{C25BCFD5-C4DF-4EBC-B718-C69ED2FBDE6F}" type="datetime1">
               <a:rPr lang="ko-KR" altLang="en-US" smtClean="0"/>
-              <a:t>2023-07-19</a:t>
+              <a:t>2023-07-20</a:t>
             </a:fld>
             <a:endParaRPr lang="ko-KR" altLang="en-US"/>
           </a:p>
@@ -1065,7 +1065,7 @@
           <a:p>
             <a:fld id="{AB448CD7-D367-43D5-B461-ACE552E75063}" type="datetime1">
               <a:rPr lang="ko-KR" altLang="en-US" smtClean="0"/>
-              <a:t>2023-07-19</a:t>
+              <a:t>2023-07-20</a:t>
             </a:fld>
             <a:endParaRPr lang="ko-KR" altLang="en-US"/>
           </a:p>
@@ -1245,7 +1245,7 @@
           <a:p>
             <a:fld id="{B6E49E79-7361-4780-8BEF-7EDE3708298A}" type="datetime1">
               <a:rPr lang="ko-KR" altLang="en-US" smtClean="0"/>
-              <a:t>2023-07-19</a:t>
+              <a:t>2023-07-20</a:t>
             </a:fld>
             <a:endParaRPr lang="ko-KR" altLang="en-US"/>
           </a:p>
@@ -1419,7 +1419,7 @@
           <a:p>
             <a:fld id="{A4D42E3C-B70B-437C-85CF-1286301B9CBA}" type="datetime1">
               <a:rPr lang="ko-KR" altLang="en-US" smtClean="0"/>
-              <a:t>2023-07-19</a:t>
+              <a:t>2023-07-20</a:t>
             </a:fld>
             <a:endParaRPr lang="ko-KR" altLang="en-US"/>
           </a:p>
@@ -1665,7 +1665,7 @@
           <a:p>
             <a:fld id="{B3369A20-5B3D-4D98-A822-26B93D177A40}" type="datetime1">
               <a:rPr lang="ko-KR" altLang="en-US" smtClean="0"/>
-              <a:t>2023-07-19</a:t>
+              <a:t>2023-07-20</a:t>
             </a:fld>
             <a:endParaRPr lang="ko-KR" altLang="en-US"/>
           </a:p>
@@ -1953,7 +1953,7 @@
           <a:p>
             <a:fld id="{685CD4CE-9E43-4F70-A9D8-A2130CA7D92A}" type="datetime1">
               <a:rPr lang="ko-KR" altLang="en-US" smtClean="0"/>
-              <a:t>2023-07-19</a:t>
+              <a:t>2023-07-20</a:t>
             </a:fld>
             <a:endParaRPr lang="ko-KR" altLang="en-US"/>
           </a:p>
@@ -2375,7 +2375,7 @@
           <a:p>
             <a:fld id="{F752BD92-DA3E-4A0B-90C9-7DE5E15B6E96}" type="datetime1">
               <a:rPr lang="ko-KR" altLang="en-US" smtClean="0"/>
-              <a:t>2023-07-19</a:t>
+              <a:t>2023-07-20</a:t>
             </a:fld>
             <a:endParaRPr lang="ko-KR" altLang="en-US"/>
           </a:p>
@@ -2493,7 +2493,7 @@
           <a:p>
             <a:fld id="{8EA2B83A-F366-424E-B742-340ACF856BB5}" type="datetime1">
               <a:rPr lang="ko-KR" altLang="en-US" smtClean="0"/>
-              <a:t>2023-07-19</a:t>
+              <a:t>2023-07-20</a:t>
             </a:fld>
             <a:endParaRPr lang="ko-KR" altLang="en-US"/>
           </a:p>
@@ -2588,7 +2588,7 @@
           <a:p>
             <a:fld id="{9A49D68B-5DBD-48E9-A8D4-FCBC4B3DD9C6}" type="datetime1">
               <a:rPr lang="ko-KR" altLang="en-US" smtClean="0"/>
-              <a:t>2023-07-19</a:t>
+              <a:t>2023-07-20</a:t>
             </a:fld>
             <a:endParaRPr lang="ko-KR" altLang="en-US"/>
           </a:p>
@@ -2865,7 +2865,7 @@
           <a:p>
             <a:fld id="{4CAB534F-7D16-467B-9320-91F98915D181}" type="datetime1">
               <a:rPr lang="ko-KR" altLang="en-US" smtClean="0"/>
-              <a:t>2023-07-19</a:t>
+              <a:t>2023-07-20</a:t>
             </a:fld>
             <a:endParaRPr lang="ko-KR" altLang="en-US"/>
           </a:p>
@@ -3118,7 +3118,7 @@
           <a:p>
             <a:fld id="{A390A91F-2F8D-4486-A69D-D680F95444B0}" type="datetime1">
               <a:rPr lang="ko-KR" altLang="en-US" smtClean="0"/>
-              <a:t>2023-07-19</a:t>
+              <a:t>2023-07-20</a:t>
             </a:fld>
             <a:endParaRPr lang="ko-KR" altLang="en-US"/>
           </a:p>
@@ -3298,7 +3298,7 @@
           <a:p>
             <a:fld id="{2238BBEA-E8DD-414A-BF68-FC2AFA7CFF2D}" type="datetime1">
               <a:rPr lang="ko-KR" altLang="en-US" smtClean="0"/>
-              <a:t>2023-07-19</a:t>
+              <a:t>2023-07-20</a:t>
             </a:fld>
             <a:endParaRPr lang="ko-KR" altLang="en-US"/>
           </a:p>
@@ -6688,7 +6688,7 @@
       </p:sp>
       <p:pic>
         <p:nvPicPr>
-          <p:cNvPr id="3" name="그림 2"/>
+          <p:cNvPr id="5" name="그림 4"/>
           <p:cNvPicPr>
             <a:picLocks noChangeAspect="1"/>
           </p:cNvPicPr>
@@ -6708,19 +6708,12 @@
         </p:blipFill>
         <p:spPr>
           <a:xfrm>
-            <a:off x="1064568" y="1268760"/>
-            <a:ext cx="7222629" cy="5256584"/>
+            <a:off x="1136576" y="1174251"/>
+            <a:ext cx="7344816" cy="5279086"/>
           </a:xfrm>
           <a:prstGeom prst="rect">
             <a:avLst/>
           </a:prstGeom>
-          <a:ln>
-            <a:solidFill>
-              <a:schemeClr val="bg1">
-                <a:lumMod val="85000"/>
-              </a:schemeClr>
-            </a:solidFill>
-          </a:ln>
         </p:spPr>
       </p:pic>
     </p:spTree>
@@ -6823,7 +6816,7 @@
       </p:sp>
       <p:pic>
         <p:nvPicPr>
-          <p:cNvPr id="5" name="그림 4"/>
+          <p:cNvPr id="3" name="그림 2"/>
           <p:cNvPicPr>
             <a:picLocks noChangeAspect="1"/>
           </p:cNvPicPr>
@@ -6843,19 +6836,12 @@
         </p:blipFill>
         <p:spPr>
           <a:xfrm>
-            <a:off x="1208584" y="1193060"/>
-            <a:ext cx="7534674" cy="5256585"/>
+            <a:off x="1064568" y="1124745"/>
+            <a:ext cx="7532788" cy="5328592"/>
           </a:xfrm>
           <a:prstGeom prst="rect">
             <a:avLst/>
           </a:prstGeom>
-          <a:ln>
-            <a:solidFill>
-              <a:schemeClr val="bg1">
-                <a:lumMod val="85000"/>
-              </a:schemeClr>
-            </a:solidFill>
-          </a:ln>
         </p:spPr>
       </p:pic>
     </p:spTree>
